--- a/13-Windows-Forms.pptx
+++ b/13-Windows-Forms.pptx
@@ -2227,16 +2227,20 @@
               <a:t>на първата форма да стане </a:t>
             </a:r>
             <a:r>
+              <a:rPr lang="bg-BG" dirty="0" smtClean="0"/>
+              <a:t>текста от </a:t>
+            </a:r>
+            <a:r>
+              <a:rPr lang="en-US" dirty="0" err="1" smtClean="0"/>
+              <a:t>TextBox</a:t>
+            </a:r>
+            <a:r>
               <a:rPr lang="en-US" dirty="0" smtClean="0"/>
-              <a:t>“Form 2 </a:t>
-            </a:r>
-            <a:r>
-              <a:rPr lang="en-US" smtClean="0"/>
-              <a:t>closed”s</a:t>
+              <a:t>-a </a:t>
             </a:r>
             <a:r>
               <a:rPr lang="bg-BG" smtClean="0"/>
-              <a:t>.</a:t>
+              <a:t>на втората форма.</a:t>
             </a:r>
             <a:endParaRPr lang="en-US" dirty="0"/>
           </a:p>
@@ -2947,6 +2951,13 @@
   <p:clrMapOvr>
     <a:masterClrMapping/>
   </p:clrMapOvr>
+  <p:timing>
+    <p:tnLst>
+      <p:par>
+        <p:cTn id="1" dur="indefinite" restart="never" nodeType="tmRoot"/>
+      </p:par>
+    </p:tnLst>
+  </p:timing>
 </p:sld>
 </file>
 
